--- a/trunk/Training/ConEd-2019/Session3.pptx
+++ b/trunk/Training/ConEd-2019/Session3.pptx
@@ -249,7 +249,7 @@
           <a:p>
             <a:fld id="{FF391D5B-F21D-4A23-BC16-77D248A42E04}" type="datetimeFigureOut">
               <a:rPr lang="en-US" smtClean="0"/>
-              <a:t>9/17/2019</a:t>
+              <a:t>10/14/2019</a:t>
             </a:fld>
             <a:endParaRPr lang="en-US"/>
           </a:p>
@@ -414,7 +414,7 @@
           <a:p>
             <a:fld id="{21D603EA-85D6-422C-AB10-17A2A7923832}" type="datetimeFigureOut">
               <a:rPr lang="en-US" smtClean="0"/>
-              <a:t>9/17/2019</a:t>
+              <a:t>10/14/2019</a:t>
             </a:fld>
             <a:endParaRPr lang="en-US" dirty="0"/>
           </a:p>
@@ -12997,18 +12997,14 @@
           </a:p>
           <a:p>
             <a:r>
-              <a:rPr lang="en-US"/>
+              <a:rPr lang="en-US" dirty="0"/>
               <a:t>Davis Montenegro</a:t>
             </a:r>
           </a:p>
           <a:p>
             <a:r>
-              <a:rPr lang="en-US"/>
-              <a:t>EPRI </a:t>
-            </a:r>
-            <a:r>
               <a:rPr lang="en-US" dirty="0"/>
-              <a:t>Knoxville, TN</a:t>
+              <a:t>EPRI Knoxville, TN</a:t>
             </a:r>
           </a:p>
           <a:p>
@@ -13020,7 +13016,7 @@
           <a:p>
             <a:r>
               <a:rPr lang="en-US" b="1" dirty="0"/>
-              <a:t>September 24-25, 2019</a:t>
+              <a:t>October 17-18, 2019</a:t>
             </a:r>
             <a:endParaRPr lang="en-US" dirty="0"/>
           </a:p>
@@ -13071,14 +13067,15 @@
           <a:p>
             <a:r>
               <a:rPr lang="en-US" dirty="0"/>
-              <a:t>Idaho Power Co.</a:t>
+              <a:t>Consolidated Edison Co.</a:t>
             </a:r>
           </a:p>
           <a:p>
             <a:r>
-              <a:rPr lang="en-US" dirty="0"/>
-              <a:t>Boise, Idaho</a:t>
+              <a:rPr lang="en-US"/>
+              <a:t>New York, NY</a:t>
             </a:r>
+            <a:endParaRPr lang="en-US" dirty="0"/>
           </a:p>
         </p:txBody>
       </p:sp>
@@ -23918,11 +23915,12 @@
 </file>
 
 <file path=customXml/item1.xml><?xml version="1.0" encoding="utf-8"?>
-<p:properties xmlns:p="http://schemas.microsoft.com/office/2006/metadata/properties" xmlns:xsi="http://www.w3.org/2001/XMLSchema-instance" xmlns:pc="http://schemas.microsoft.com/office/infopath/2007/PartnerControls">
-  <documentManagement>
-    <Category xmlns="9d4eb815-23ed-48d9-b0c1-2b9ce0016f4e">EPRI PowerPoint Template</Category>
-  </documentManagement>
-</p:properties>
+<?mso-contentType ?>
+<FormTemplates xmlns="http://schemas.microsoft.com/sharepoint/v3/contenttype/forms">
+  <Display>DocumentLibraryForm</Display>
+  <Edit>DocumentLibraryForm</Edit>
+  <New>DocumentLibraryForm</New>
+</FormTemplates>
 </file>
 
 <file path=customXml/item2.xml><?xml version="1.0" encoding="utf-8"?>
@@ -24058,26 +24056,17 @@
 </file>
 
 <file path=customXml/item3.xml><?xml version="1.0" encoding="utf-8"?>
-<?mso-contentType ?>
-<FormTemplates xmlns="http://schemas.microsoft.com/sharepoint/v3/contenttype/forms">
-  <Display>DocumentLibraryForm</Display>
-  <Edit>DocumentLibraryForm</Edit>
-  <New>DocumentLibraryForm</New>
-</FormTemplates>
+<p:properties xmlns:p="http://schemas.microsoft.com/office/2006/metadata/properties" xmlns:xsi="http://www.w3.org/2001/XMLSchema-instance" xmlns:pc="http://schemas.microsoft.com/office/infopath/2007/PartnerControls">
+  <documentManagement>
+    <Category xmlns="9d4eb815-23ed-48d9-b0c1-2b9ce0016f4e">EPRI PowerPoint Template</Category>
+  </documentManagement>
+</p:properties>
 </file>
 
 <file path=customXml/itemProps1.xml><?xml version="1.0" encoding="utf-8"?>
-<ds:datastoreItem xmlns:ds="http://schemas.openxmlformats.org/officeDocument/2006/customXml" ds:itemID="{45521A8B-3986-40B6-95DF-B5A721DA9604}">
+<ds:datastoreItem xmlns:ds="http://schemas.openxmlformats.org/officeDocument/2006/customXml" ds:itemID="{B9E07810-A7D8-4B3A-A78F-4052749F2489}">
   <ds:schemaRefs>
-    <ds:schemaRef ds:uri="http://schemas.microsoft.com/office/2006/documentManagement/types"/>
-    <ds:schemaRef ds:uri="http://purl.org/dc/terms/"/>
-    <ds:schemaRef ds:uri="http://schemas.openxmlformats.org/package/2006/metadata/core-properties"/>
-    <ds:schemaRef ds:uri="http://purl.org/dc/dcmitype/"/>
-    <ds:schemaRef ds:uri="http://schemas.microsoft.com/office/infopath/2007/PartnerControls"/>
-    <ds:schemaRef ds:uri="http://purl.org/dc/elements/1.1/"/>
-    <ds:schemaRef ds:uri="http://schemas.microsoft.com/office/2006/metadata/properties"/>
-    <ds:schemaRef ds:uri="9d4eb815-23ed-48d9-b0c1-2b9ce0016f4e"/>
-    <ds:schemaRef ds:uri="http://www.w3.org/XML/1998/namespace"/>
+    <ds:schemaRef ds:uri="http://schemas.microsoft.com/sharepoint/v3/contenttype/forms"/>
   </ds:schemaRefs>
 </ds:datastoreItem>
 </file>
@@ -24101,9 +24090,17 @@
 </file>
 
 <file path=customXml/itemProps3.xml><?xml version="1.0" encoding="utf-8"?>
-<ds:datastoreItem xmlns:ds="http://schemas.openxmlformats.org/officeDocument/2006/customXml" ds:itemID="{B9E07810-A7D8-4B3A-A78F-4052749F2489}">
+<ds:datastoreItem xmlns:ds="http://schemas.openxmlformats.org/officeDocument/2006/customXml" ds:itemID="{45521A8B-3986-40B6-95DF-B5A721DA9604}">
   <ds:schemaRefs>
-    <ds:schemaRef ds:uri="http://schemas.microsoft.com/sharepoint/v3/contenttype/forms"/>
+    <ds:schemaRef ds:uri="http://schemas.microsoft.com/office/2006/documentManagement/types"/>
+    <ds:schemaRef ds:uri="http://purl.org/dc/terms/"/>
+    <ds:schemaRef ds:uri="http://schemas.openxmlformats.org/package/2006/metadata/core-properties"/>
+    <ds:schemaRef ds:uri="http://purl.org/dc/dcmitype/"/>
+    <ds:schemaRef ds:uri="http://schemas.microsoft.com/office/infopath/2007/PartnerControls"/>
+    <ds:schemaRef ds:uri="http://purl.org/dc/elements/1.1/"/>
+    <ds:schemaRef ds:uri="http://schemas.microsoft.com/office/2006/metadata/properties"/>
+    <ds:schemaRef ds:uri="9d4eb815-23ed-48d9-b0c1-2b9ce0016f4e"/>
+    <ds:schemaRef ds:uri="http://www.w3.org/XML/1998/namespace"/>
   </ds:schemaRefs>
 </ds:datastoreItem>
 </file>